--- a/observer-prak4.pptx
+++ b/observer-prak4.pptx
@@ -8645,7 +8645,7 @@
           </a:prstGeom>
           <a:extLst>
             <a:ext uri="{C572A759-6A51-4108-AA02-DFA0A04FC94B}">
-              <ma14:wrappingTextBoxFlag xmlns:ma14="http://schemas.microsoft.com/office/mac/drawingml/2011/main" xmlns="" val="0"/>
+              <ma14:wrappingTextBoxFlag xmlns="" xmlns:ma14="http://schemas.microsoft.com/office/mac/drawingml/2011/main" val="0"/>
             </a:ext>
           </a:extLst>
         </p:spPr>
@@ -11623,9 +11623,10 @@
           <a:bodyPr/>
           <a:lstStyle/>
           <a:p>
+            <a:pPr algn="l"/>
             <a:r>
               <a:rPr lang="ru-RU"/>
-              <a:t>Суть проблеми</a:t>
+              <a:t>Проблема</a:t>
             </a:r>
           </a:p>
         </p:txBody>
@@ -11676,41 +11677,99 @@
             <p:ph type="body" sz="quarter" idx="12"/>
           </p:nvPr>
         </p:nvSpPr>
-        <p:spPr/>
+        <p:spPr>
+          <a:xfrm>
+            <a:off x="6562165" y="1217228"/>
+            <a:ext cx="4694268" cy="5331739"/>
+          </a:xfrm>
+        </p:spPr>
+        <p:txBody>
+          <a:bodyPr>
+            <a:normAutofit lnSpcReduction="10000"/>
+          </a:bodyPr>
+          <a:lstStyle/>
+          <a:p>
+            <a:r>
+              <a:rPr lang="ru-RU"/>
+              <a:t>Уявіть, що у вас є два типи об'єктів: клієнт і магазин. Покупець дуже зацікавлений у певній марці товару (скажімо, у новій моделі </a:t>
+            </a:r>
+            <a:r>
+              <a:rPr lang="en-US"/>
+              <a:t>iPhone), </a:t>
+            </a:r>
+            <a:r>
+              <a:rPr lang="ru-RU"/>
+              <a:t>яка незабаром має з'явитися в</a:t>
+            </a:r>
+            <a:r>
+              <a:rPr lang="en-US"/>
+              <a:t> </a:t>
+            </a:r>
+            <a:r>
+              <a:rPr lang="ru-RU"/>
+              <a:t>магазині.</a:t>
+            </a:r>
+            <a:endParaRPr lang="en-US"/>
+          </a:p>
+          <a:p>
+            <a:endParaRPr lang="en-US"/>
+          </a:p>
+          <a:p>
+            <a:r>
+              <a:rPr lang="ru-RU"/>
+              <a:t>Покупець міг би відвідувати магазин щодня і перевіряти наявність товару. Але поки товар ще в дорозі, більшість цих поїздок будуть безглуздими.</a:t>
+            </a:r>
+            <a:endParaRPr lang="en-US"/>
+          </a:p>
+          <a:p>
+            <a:endParaRPr lang="en-US"/>
+          </a:p>
+          <a:p>
+            <a:r>
+              <a:rPr lang="ru-RU"/>
+              <a:t>З іншого боку, магазин міг би надсилати тонни електронних листів (які можна вважати спамом) усім клієнтам щоразу, коли з'являється новий товар. Це врятувало б деяких покупців від нескінченних поїздок до магазину. У той же час, це засмутило б інших клієнтів, які не цікавляться новинками.</a:t>
+            </a:r>
+            <a:endParaRPr lang="en-US"/>
+          </a:p>
+          <a:p>
+            <a:endParaRPr lang="en-US"/>
+          </a:p>
+          <a:p>
+            <a:r>
+              <a:rPr lang="ru-RU"/>
+              <a:t>Схоже, ми маємо конфлікт. Або покупець витрачає час на перевірку наявності товару, або магазин витрачає ресурси, повідомляючи не тих покупців.</a:t>
+            </a:r>
+          </a:p>
+        </p:txBody>
+      </p:sp>
+      <p:sp>
+        <p:nvSpPr>
+          <p:cNvPr id="7" name="Текст 6">
+            <a:extLst>
+              <a:ext uri="{FF2B5EF4-FFF2-40B4-BE49-F238E27FC236}">
+                <a16:creationId xmlns:a16="http://schemas.microsoft.com/office/drawing/2014/main" id="{A9B929E3-A887-A847-B7E6-B0D91704B116}"/>
+              </a:ext>
+            </a:extLst>
+          </p:cNvPr>
+          <p:cNvSpPr>
+            <a:spLocks noGrp="1"/>
+          </p:cNvSpPr>
+          <p:nvPr>
+            <p:ph type="body" sz="quarter" idx="14"/>
+          </p:nvPr>
+        </p:nvSpPr>
+        <p:spPr>
+          <a:xfrm>
+            <a:off x="6562166" y="543698"/>
+            <a:ext cx="4694268" cy="480000"/>
+          </a:xfrm>
+        </p:spPr>
         <p:txBody>
           <a:bodyPr/>
           <a:lstStyle/>
           <a:p>
             <a:r>
               <a:rPr lang="ru-RU"/>
-              <a:t>Клієнти та магазини потребують взаємодії. Наприклад, клієнт бажає дізнатися про появу нових товарів. Часті перевірки незручні, а постійні сповіщення можуть набридати.</a:t>
-            </a:r>
-          </a:p>
-        </p:txBody>
-      </p:sp>
-      <p:sp>
-        <p:nvSpPr>
-          <p:cNvPr id="7" name="Текст 6">
-            <a:extLst>
-              <a:ext uri="{FF2B5EF4-FFF2-40B4-BE49-F238E27FC236}">
-                <a16:creationId xmlns:a16="http://schemas.microsoft.com/office/drawing/2014/main" id="{A9B929E3-A887-A847-B7E6-B0D91704B116}"/>
-              </a:ext>
-            </a:extLst>
-          </p:cNvPr>
-          <p:cNvSpPr>
-            <a:spLocks noGrp="1"/>
-          </p:cNvSpPr>
-          <p:nvPr>
-            <p:ph type="body" sz="quarter" idx="14"/>
-          </p:nvPr>
-        </p:nvSpPr>
-        <p:spPr/>
-        <p:txBody>
-          <a:bodyPr/>
-          <a:lstStyle/>
-          <a:p>
-            <a:r>
-              <a:rPr lang="ru-RU"/>
               <a:t>Необхідність синхронізації</a:t>
             </a:r>
           </a:p>
@@ -11718,10 +11777,10 @@
       </p:sp>
       <p:pic>
         <p:nvPicPr>
-          <p:cNvPr id="1026" name="Picture 2" descr="Observer Design Pattern">
-            <a:extLst>
-              <a:ext uri="{FF2B5EF4-FFF2-40B4-BE49-F238E27FC236}">
-                <a16:creationId xmlns:a16="http://schemas.microsoft.com/office/drawing/2014/main" id="{C771727F-E1C8-CFD2-E65A-FEC9C3CD1A67}"/>
+          <p:cNvPr id="3" name="Picture 2" descr="Visiting store vs. sending spam">
+            <a:extLst>
+              <a:ext uri="{FF2B5EF4-FFF2-40B4-BE49-F238E27FC236}">
+                <a16:creationId xmlns:a16="http://schemas.microsoft.com/office/drawing/2014/main" id="{659E6F02-93F6-FD66-9567-05E2F502AD11}"/>
               </a:ext>
             </a:extLst>
           </p:cNvPr>
@@ -11745,8 +11804,8 @@
         </p:blipFill>
         <p:spPr bwMode="auto">
           <a:xfrm>
-            <a:off x="1479517" y="543698"/>
-            <a:ext cx="4616483" cy="2885302"/>
+            <a:off x="773206" y="767603"/>
+            <a:ext cx="5322794" cy="2661397"/>
           </a:xfrm>
           <a:prstGeom prst="rect">
             <a:avLst/>
@@ -11965,49 +12024,32 @@
       </p:sp>
       <p:pic>
         <p:nvPicPr>
-          <p:cNvPr id="2050" name="Picture 2" descr="Visiting store vs. sending spam">
-            <a:extLst>
-              <a:ext uri="{FF2B5EF4-FFF2-40B4-BE49-F238E27FC236}">
-                <a16:creationId xmlns:a16="http://schemas.microsoft.com/office/drawing/2014/main" id="{6BF2FA87-2485-59A1-8C46-C47DF4102F1A}"/>
+          <p:cNvPr id="3" name="Рисунок 2">
+            <a:extLst>
+              <a:ext uri="{FF2B5EF4-FFF2-40B4-BE49-F238E27FC236}">
+                <a16:creationId xmlns:a16="http://schemas.microsoft.com/office/drawing/2014/main" id="{A3E0F4DC-A887-926A-6292-6684F96D4B2C}"/>
               </a:ext>
             </a:extLst>
           </p:cNvPr>
           <p:cNvPicPr>
-            <a:picLocks noChangeAspect="1" noChangeArrowheads="1"/>
+            <a:picLocks noChangeAspect="1"/>
           </p:cNvPicPr>
           <p:nvPr/>
         </p:nvPicPr>
         <p:blipFill>
-          <a:blip r:embed="rId2">
-            <a:extLst>
-              <a:ext uri="{28A0092B-C50C-407E-A947-70E740481C1C}">
-                <a14:useLocalDpi xmlns:a14="http://schemas.microsoft.com/office/drawing/2010/main" val="0"/>
-              </a:ext>
-            </a:extLst>
-          </a:blip>
-          <a:srcRect/>
+          <a:blip r:embed="rId2"/>
           <a:stretch>
             <a:fillRect/>
           </a:stretch>
         </p:blipFill>
-        <p:spPr bwMode="auto">
-          <a:xfrm>
-            <a:off x="946149" y="1445778"/>
-            <a:ext cx="5715000" cy="2857500"/>
+        <p:spPr>
+          <a:xfrm>
+            <a:off x="1055290" y="1623016"/>
+            <a:ext cx="5139322" cy="1805984"/>
           </a:xfrm>
           <a:prstGeom prst="rect">
             <a:avLst/>
           </a:prstGeom>
-          <a:noFill/>
-          <a:extLst>
-            <a:ext uri="{909E8E84-426E-40DD-AFC4-6F175D3DCCD1}">
-              <a14:hiddenFill xmlns:a14="http://schemas.microsoft.com/office/drawing/2010/main">
-                <a:solidFill>
-                  <a:srgbClr val="FFFFFF"/>
-                </a:solidFill>
-              </a14:hiddenFill>
-            </a:ext>
-          </a:extLst>
         </p:spPr>
       </p:pic>
     </p:spTree>
@@ -12049,14 +12091,14 @@
           <p:nvPr>
             <p:extLst>
               <p:ext uri="{D42A27DB-BD31-4B8C-83A1-F6EECF244321}">
-                <p14:modId xmlns:p14="http://schemas.microsoft.com/office/powerpoint/2010/main" val="3777719381"/>
+                <p14:modId xmlns:p14="http://schemas.microsoft.com/office/powerpoint/2010/main" val="2929326221"/>
               </p:ext>
             </p:extLst>
           </p:nvPr>
         </p:nvGraphicFramePr>
         <p:xfrm>
-          <a:off x="1054100" y="2501900"/>
-          <a:ext cx="10363200" cy="2194560"/>
+          <a:off x="939800" y="1225448"/>
+          <a:ext cx="10363200" cy="2786941"/>
         </p:xfrm>
         <a:graphic>
           <a:graphicData uri="http://schemas.openxmlformats.org/drawingml/2006/table">
@@ -12085,7 +12127,7 @@
                   </a:extLst>
                 </a:gridCol>
               </a:tblGrid>
-              <a:tr h="524256">
+              <a:tr h="494845">
                 <a:tc>
                   <a:txBody>
                     <a:bodyPr/>
@@ -12302,7 +12344,7 @@
                   </a:ext>
                 </a:extLst>
               </a:tr>
-              <a:tr h="573024">
+              <a:tr h="540877">
                 <a:tc>
                   <a:txBody>
                     <a:bodyPr/>
@@ -12312,15 +12354,16 @@
                         <a:buNone/>
                       </a:pPr>
                       <a:r>
-                        <a:rPr lang="en-US" sz="1400" dirty="0">
-                          <a:solidFill>
-                            <a:srgbClr val="FFFFFF"/>
-                          </a:solidFill>
-                          <a:latin typeface="Open Sans" pitchFamily="34" charset="0"/>
-                          <a:ea typeface="Open Sans" pitchFamily="34" charset="-122"/>
-                          <a:cs typeface="Open Sans" pitchFamily="34" charset="-120"/>
-                        </a:rPr>
+                        <a:rPr lang="ru-RU" sz="1400" b="0"/>
                         <a:t>Видавець</a:t>
+                      </a:r>
+                      <a:r>
+                        <a:rPr lang="ru-RU" sz="1400"/>
+                        <a:t> (</a:t>
+                      </a:r>
+                      <a:r>
+                        <a:rPr lang="en-US" sz="1400"/>
+                        <a:t>Publisher)</a:t>
                       </a:r>
                       <a:endParaRPr lang="en-US" sz="1400" dirty="0">
                         <a:latin typeface="Open Sans" charset="0"/>
@@ -12382,15 +12425,8 @@
                         <a:buNone/>
                       </a:pPr>
                       <a:r>
-                        <a:rPr lang="en-US" sz="1400" dirty="0">
-                          <a:solidFill>
-                            <a:srgbClr val="FFFFFF"/>
-                          </a:solidFill>
-                          <a:latin typeface="Open Sans" pitchFamily="34" charset="0"/>
-                          <a:ea typeface="Open Sans" pitchFamily="34" charset="-122"/>
-                          <a:cs typeface="Open Sans" pitchFamily="34" charset="-120"/>
-                        </a:rPr>
-                        <a:t>Зберігає список підписників і керує оновленнями.</a:t>
+                        <a:rPr lang="ru-RU" sz="1400"/>
+                        <a:t>зберігає список підписників і повідомляє їх при зміні стану</a:t>
                       </a:r>
                       <a:endParaRPr lang="en-US" sz="1400" dirty="0">
                         <a:latin typeface="Open Sans" charset="0"/>
@@ -12452,7 +12488,7 @@
                         <a:buNone/>
                       </a:pPr>
                       <a:r>
-                        <a:rPr lang="en-US" sz="1400" dirty="0">
+                        <a:rPr lang="en-US" sz="1400">
                           <a:solidFill>
                             <a:srgbClr val="FFFFFF"/>
                           </a:solidFill>
@@ -12460,7 +12496,7 @@
                           <a:ea typeface="Open Sans" pitchFamily="34" charset="-122"/>
                           <a:cs typeface="Open Sans" pitchFamily="34" charset="-120"/>
                         </a:rPr>
-                        <a:t>Клас Subject</a:t>
+                        <a:t>Клас Publisher</a:t>
                       </a:r>
                       <a:endParaRPr lang="en-US" sz="1400" dirty="0">
                         <a:latin typeface="Open Sans" charset="0"/>
@@ -12519,7 +12555,7 @@
                   </a:ext>
                 </a:extLst>
               </a:tr>
-              <a:tr h="524256">
+              <a:tr h="434317">
                 <a:tc>
                   <a:txBody>
                     <a:bodyPr/>
@@ -12529,15 +12565,8 @@
                         <a:buNone/>
                       </a:pPr>
                       <a:r>
-                        <a:rPr lang="en-US" sz="1400" dirty="0">
-                          <a:solidFill>
-                            <a:srgbClr val="FFFFFF"/>
-                          </a:solidFill>
-                          <a:latin typeface="Open Sans" pitchFamily="34" charset="0"/>
-                          <a:ea typeface="Open Sans" pitchFamily="34" charset="-122"/>
-                          <a:cs typeface="Open Sans" pitchFamily="34" charset="-120"/>
-                        </a:rPr>
-                        <a:t>Підписники</a:t>
+                        <a:rPr lang="ru-RU" sz="1400"/>
+                        <a:t>Інтерфейс Підписника</a:t>
                       </a:r>
                       <a:endParaRPr lang="en-US" sz="1400" dirty="0">
                         <a:latin typeface="Open Sans" charset="0"/>
@@ -12599,15 +12628,8 @@
                         <a:buNone/>
                       </a:pPr>
                       <a:r>
-                        <a:rPr lang="en-US" sz="1400" dirty="0">
-                          <a:solidFill>
-                            <a:srgbClr val="FFFFFF"/>
-                          </a:solidFill>
-                          <a:latin typeface="Open Sans" pitchFamily="34" charset="0"/>
-                          <a:ea typeface="Open Sans" pitchFamily="34" charset="-122"/>
-                          <a:cs typeface="Open Sans" pitchFamily="34" charset="-120"/>
-                        </a:rPr>
-                        <a:t>Отримують оновлення від видавця.</a:t>
+                        <a:rPr lang="ru-RU" sz="1400"/>
+                        <a:t>описує метод оновлення, яким користуються підписники</a:t>
                       </a:r>
                       <a:endParaRPr lang="en-US" sz="1400" dirty="0">
                         <a:latin typeface="Open Sans" charset="0"/>
@@ -12669,7 +12691,7 @@
                         <a:buNone/>
                       </a:pPr>
                       <a:r>
-                        <a:rPr lang="en-US" sz="1400" dirty="0">
+                        <a:rPr lang="en-US" sz="1400">
                           <a:solidFill>
                             <a:srgbClr val="FFFFFF"/>
                           </a:solidFill>
@@ -12677,7 +12699,7 @@
                           <a:ea typeface="Open Sans" pitchFamily="34" charset="-122"/>
                           <a:cs typeface="Open Sans" pitchFamily="34" charset="-120"/>
                         </a:rPr>
-                        <a:t>Інтерфейс IObserver</a:t>
+                        <a:t>Інтерфейс Subscriber</a:t>
                       </a:r>
                       <a:endParaRPr lang="en-US" sz="1400" dirty="0">
                         <a:latin typeface="Open Sans" charset="0"/>
@@ -12736,7 +12758,7 @@
                   </a:ext>
                 </a:extLst>
               </a:tr>
-              <a:tr h="573024">
+              <a:tr h="540877">
                 <a:tc>
                   <a:txBody>
                     <a:bodyPr/>
@@ -12746,7 +12768,133 @@
                         <a:buNone/>
                       </a:pPr>
                       <a:r>
-                        <a:rPr lang="en-US" sz="1400" dirty="0">
+                        <a:rPr lang="ru-RU" sz="1400"/>
+                        <a:t>Конкретні Підписники</a:t>
+                      </a:r>
+                      <a:endParaRPr lang="en-US" sz="1400" dirty="0">
+                        <a:latin typeface="Open Sans" charset="0"/>
+                        <a:ea typeface="Open Sans" charset="0"/>
+                        <a:cs typeface="Open Sans" charset="0"/>
+                      </a:endParaRPr>
+                    </a:p>
+                  </a:txBody>
+                  <a:tcPr marL="73152" marR="73152" marT="73152" marB="73152" anchor="ctr">
+                    <a:lnL w="0" cap="flat" cmpd="sng" algn="ctr">
+                      <a:solidFill>
+                        <a:srgbClr val="666666"/>
+                      </a:solidFill>
+                      <a:prstDash val="sysDash"/>
+                      <a:round/>
+                      <a:headEnd type="none" w="med" len="med"/>
+                      <a:tailEnd type="none" w="med" len="med"/>
+                    </a:lnL>
+                    <a:lnR w="12700" cap="flat" cmpd="sng" algn="ctr">
+                      <a:solidFill>
+                        <a:srgbClr val="A6A6A6"/>
+                      </a:solidFill>
+                      <a:prstDash val="sysDash"/>
+                      <a:round/>
+                      <a:headEnd type="none" w="med" len="med"/>
+                      <a:tailEnd type="none" w="med" len="med"/>
+                    </a:lnR>
+                    <a:lnT w="12700" cap="flat" cmpd="sng" algn="ctr">
+                      <a:solidFill>
+                        <a:srgbClr val="A6A6A6"/>
+                      </a:solidFill>
+                      <a:prstDash val="sysDash"/>
+                      <a:round/>
+                      <a:headEnd type="none" w="med" len="med"/>
+                      <a:tailEnd type="none" w="med" len="med"/>
+                    </a:lnT>
+                    <a:lnB w="12700" cap="flat" cmpd="sng" algn="ctr">
+                      <a:solidFill>
+                        <a:srgbClr val="A6A6A6"/>
+                      </a:solidFill>
+                      <a:prstDash val="sysDash"/>
+                      <a:round/>
+                      <a:headEnd type="none" w="med" len="med"/>
+                      <a:tailEnd type="none" w="med" len="med"/>
+                    </a:lnB>
+                    <a:solidFill>
+                      <a:srgbClr val="BFBFBF">
+                        <a:alpha val="0"/>
+                      </a:srgbClr>
+                    </a:solidFill>
+                  </a:tcPr>
+                </a:tc>
+                <a:tc>
+                  <a:txBody>
+                    <a:bodyPr/>
+                    <a:lstStyle/>
+                    <a:p>
+                      <a:pPr marL="0" indent="0">
+                        <a:buNone/>
+                      </a:pPr>
+                      <a:r>
+                        <a:rPr lang="ru-RU" sz="1400"/>
+                        <a:t>реалізують інтерфейс і реагують на зміни, повідомлені видавцем</a:t>
+                      </a:r>
+                      <a:endParaRPr lang="en-US" sz="1400" dirty="0">
+                        <a:latin typeface="Open Sans" charset="0"/>
+                        <a:ea typeface="Open Sans" charset="0"/>
+                        <a:cs typeface="Open Sans" charset="0"/>
+                      </a:endParaRPr>
+                    </a:p>
+                  </a:txBody>
+                  <a:tcPr marL="73152" marR="73152" marT="73152" marB="73152" anchor="ctr">
+                    <a:lnL w="12700" cap="flat" cmpd="sng" algn="ctr">
+                      <a:solidFill>
+                        <a:srgbClr val="A6A6A6"/>
+                      </a:solidFill>
+                      <a:prstDash val="sysDash"/>
+                      <a:round/>
+                      <a:headEnd type="none" w="med" len="med"/>
+                      <a:tailEnd type="none" w="med" len="med"/>
+                    </a:lnL>
+                    <a:lnR w="12700" cap="flat" cmpd="sng" algn="ctr">
+                      <a:solidFill>
+                        <a:srgbClr val="A6A6A6"/>
+                      </a:solidFill>
+                      <a:prstDash val="sysDash"/>
+                      <a:round/>
+                      <a:headEnd type="none" w="med" len="med"/>
+                      <a:tailEnd type="none" w="med" len="med"/>
+                    </a:lnR>
+                    <a:lnT w="12700" cap="flat" cmpd="sng" algn="ctr">
+                      <a:solidFill>
+                        <a:srgbClr val="A6A6A6"/>
+                      </a:solidFill>
+                      <a:prstDash val="sysDash"/>
+                      <a:round/>
+                      <a:headEnd type="none" w="med" len="med"/>
+                      <a:tailEnd type="none" w="med" len="med"/>
+                    </a:lnT>
+                    <a:lnB w="12700" cap="flat" cmpd="sng" algn="ctr">
+                      <a:solidFill>
+                        <a:srgbClr val="A6A6A6"/>
+                      </a:solidFill>
+                      <a:prstDash val="sysDash"/>
+                      <a:round/>
+                      <a:headEnd type="none" w="med" len="med"/>
+                      <a:tailEnd type="none" w="med" len="med"/>
+                    </a:lnB>
+                    <a:solidFill>
+                      <a:srgbClr val="BFBFBF">
+                        <a:alpha val="0"/>
+                      </a:srgbClr>
+                    </a:solidFill>
+                  </a:tcPr>
+                </a:tc>
+                <a:tc>
+                  <a:txBody>
+                    <a:bodyPr/>
+                    <a:lstStyle/>
+                    <a:p>
+                      <a:pPr marL="0" indent="0">
+                        <a:buNone/>
+                      </a:pPr>
+                      <a:r>
+                        <a:rPr lang="en-US" sz="1400">
                           <a:solidFill>
                             <a:srgbClr val="FFFFFF"/>
                           </a:solidFill>
@@ -12754,6 +12902,76 @@
                           <a:ea typeface="Open Sans" pitchFamily="34" charset="-122"/>
                           <a:cs typeface="Open Sans" pitchFamily="34" charset="-120"/>
                         </a:rPr>
+                        <a:t>Інстанція Concrete Subscriber</a:t>
+                      </a:r>
+                      <a:endParaRPr lang="en-US" sz="1400" dirty="0">
+                        <a:latin typeface="Open Sans" charset="0"/>
+                        <a:ea typeface="Open Sans" charset="0"/>
+                        <a:cs typeface="Open Sans" charset="0"/>
+                      </a:endParaRPr>
+                    </a:p>
+                  </a:txBody>
+                  <a:tcPr marL="73152" marR="73152" marT="73152" marB="73152" anchor="ctr">
+                    <a:lnL w="12700" cap="flat" cmpd="sng" algn="ctr">
+                      <a:solidFill>
+                        <a:srgbClr val="A6A6A6"/>
+                      </a:solidFill>
+                      <a:prstDash val="sysDash"/>
+                      <a:round/>
+                      <a:headEnd type="none" w="med" len="med"/>
+                      <a:tailEnd type="none" w="med" len="med"/>
+                    </a:lnL>
+                    <a:lnR w="0" cap="flat" cmpd="sng" algn="ctr">
+                      <a:solidFill>
+                        <a:srgbClr val="666666"/>
+                      </a:solidFill>
+                      <a:prstDash val="sysDash"/>
+                      <a:round/>
+                      <a:headEnd type="none" w="med" len="med"/>
+                      <a:tailEnd type="none" w="med" len="med"/>
+                    </a:lnR>
+                    <a:lnT w="12700" cap="flat" cmpd="sng" algn="ctr">
+                      <a:solidFill>
+                        <a:srgbClr val="A6A6A6"/>
+                      </a:solidFill>
+                      <a:prstDash val="sysDash"/>
+                      <a:round/>
+                      <a:headEnd type="none" w="med" len="med"/>
+                      <a:tailEnd type="none" w="med" len="med"/>
+                    </a:lnT>
+                    <a:lnB w="12700" cap="flat" cmpd="sng" algn="ctr">
+                      <a:solidFill>
+                        <a:srgbClr val="A6A6A6"/>
+                      </a:solidFill>
+                      <a:prstDash val="sysDash"/>
+                      <a:round/>
+                      <a:headEnd type="none" w="med" len="med"/>
+                      <a:tailEnd type="none" w="med" len="med"/>
+                    </a:lnB>
+                    <a:solidFill>
+                      <a:srgbClr val="BFBFBF">
+                        <a:alpha val="0"/>
+                      </a:srgbClr>
+                    </a:solidFill>
+                  </a:tcPr>
+                </a:tc>
+                <a:extLst>
+                  <a:ext uri="{0D108BD9-81ED-4DB2-BD59-A6C34878D82A}">
+                    <a16:rowId xmlns:a16="http://schemas.microsoft.com/office/drawing/2014/main" val="10003"/>
+                  </a:ext>
+                </a:extLst>
+              </a:tr>
+              <a:tr h="540877">
+                <a:tc>
+                  <a:txBody>
+                    <a:bodyPr/>
+                    <a:lstStyle/>
+                    <a:p>
+                      <a:pPr marL="0" indent="0">
+                        <a:buNone/>
+                      </a:pPr>
+                      <a:r>
+                        <a:rPr lang="ru-RU" sz="1400"/>
                         <a:t>Клієнт</a:t>
                       </a:r>
                       <a:endParaRPr lang="en-US" sz="1400" dirty="0">
@@ -12816,15 +13034,8 @@
                         <a:buNone/>
                       </a:pPr>
                       <a:r>
-                        <a:rPr lang="en-US" sz="1400" dirty="0">
-                          <a:solidFill>
-                            <a:srgbClr val="FFFFFF"/>
-                          </a:solidFill>
-                          <a:latin typeface="Open Sans" pitchFamily="34" charset="0"/>
-                          <a:ea typeface="Open Sans" pitchFamily="34" charset="-122"/>
-                          <a:cs typeface="Open Sans" pitchFamily="34" charset="-120"/>
-                        </a:rPr>
-                        <a:t>Керує підписками і взаємодіє з видавцем.</a:t>
+                        <a:rPr lang="ru-RU" sz="1400"/>
+                        <a:t>створює видавця та підписників і керує підписками</a:t>
                       </a:r>
                       <a:endParaRPr lang="en-US" sz="1400" dirty="0">
                         <a:latin typeface="Open Sans" charset="0"/>
@@ -12886,15 +13097,20 @@
                         <a:buNone/>
                       </a:pPr>
                       <a:r>
-                        <a:rPr lang="en-US" sz="1400" dirty="0">
-                          <a:solidFill>
-                            <a:srgbClr val="FFFFFF"/>
-                          </a:solidFill>
-                          <a:latin typeface="Open Sans" pitchFamily="34" charset="0"/>
-                          <a:ea typeface="Open Sans" pitchFamily="34" charset="-122"/>
-                          <a:cs typeface="Open Sans" pitchFamily="34" charset="-120"/>
+                        <a:rPr lang="ru-RU" sz="1400">
+                          <a:latin typeface="Open Sans" charset="0"/>
+                          <a:ea typeface="Open Sans" charset="0"/>
+                          <a:cs typeface="Open Sans" charset="0"/>
                         </a:rPr>
-                        <a:t>Інстанція Subject</a:t>
+                        <a:t>Клас </a:t>
+                      </a:r>
+                      <a:r>
+                        <a:rPr lang="en-US" sz="1400">
+                          <a:latin typeface="Open Sans" charset="0"/>
+                          <a:ea typeface="Open Sans" charset="0"/>
+                          <a:cs typeface="Open Sans" charset="0"/>
+                        </a:rPr>
+                        <a:t>Client</a:t>
                       </a:r>
                       <a:endParaRPr lang="en-US" sz="1400" dirty="0">
                         <a:latin typeface="Open Sans" charset="0"/>
@@ -12949,7 +13165,7 @@
                 </a:tc>
                 <a:extLst>
                   <a:ext uri="{0D108BD9-81ED-4DB2-BD59-A6C34878D82A}">
-                    <a16:rowId xmlns:a16="http://schemas.microsoft.com/office/drawing/2014/main" val="10003"/>
+                    <a16:rowId xmlns:a16="http://schemas.microsoft.com/office/drawing/2014/main" val="2124495447"/>
                   </a:ext>
                 </a:extLst>
               </a:tr>
@@ -13104,137 +13320,6 @@
       </p:sp>
       <p:sp>
         <p:nvSpPr>
-          <p:cNvPr id="5" name="Text 2"/>
-          <p:cNvSpPr/>
-          <p:nvPr/>
-        </p:nvSpPr>
-        <p:spPr>
-          <a:xfrm>
-            <a:off x="1054100" y="1346200"/>
-            <a:ext cx="6032500" cy="787400"/>
-          </a:xfrm>
-          <a:prstGeom prst="rect">
-            <a:avLst/>
-          </a:prstGeom>
-          <a:noFill/>
-          <a:ln/>
-        </p:spPr>
-        <p:txBody>
-          <a:bodyPr wrap="square" rtlCol="0" anchor="ctr"/>
-          <a:lstStyle>
-            <a:lvl1pPr marL="0" algn="l" defTabSz="1219170" rtl="0" eaLnBrk="1" latinLnBrk="0" hangingPunct="1">
-              <a:defRPr sz="2400" kern="1200">
-                <a:solidFill>
-                  <a:schemeClr val="tx1"/>
-                </a:solidFill>
-                <a:latin typeface="+mn-lt"/>
-                <a:ea typeface="+mn-ea"/>
-                <a:cs typeface="+mn-cs"/>
-              </a:defRPr>
-            </a:lvl1pPr>
-            <a:lvl2pPr marL="609585" algn="l" defTabSz="1219170" rtl="0" eaLnBrk="1" latinLnBrk="0" hangingPunct="1">
-              <a:defRPr sz="2400" kern="1200">
-                <a:solidFill>
-                  <a:schemeClr val="tx1"/>
-                </a:solidFill>
-                <a:latin typeface="+mn-lt"/>
-                <a:ea typeface="+mn-ea"/>
-                <a:cs typeface="+mn-cs"/>
-              </a:defRPr>
-            </a:lvl2pPr>
-            <a:lvl3pPr marL="1219170" algn="l" defTabSz="1219170" rtl="0" eaLnBrk="1" latinLnBrk="0" hangingPunct="1">
-              <a:defRPr sz="2400" kern="1200">
-                <a:solidFill>
-                  <a:schemeClr val="tx1"/>
-                </a:solidFill>
-                <a:latin typeface="+mn-lt"/>
-                <a:ea typeface="+mn-ea"/>
-                <a:cs typeface="+mn-cs"/>
-              </a:defRPr>
-            </a:lvl3pPr>
-            <a:lvl4pPr marL="1828754" algn="l" defTabSz="1219170" rtl="0" eaLnBrk="1" latinLnBrk="0" hangingPunct="1">
-              <a:defRPr sz="2400" kern="1200">
-                <a:solidFill>
-                  <a:schemeClr val="tx1"/>
-                </a:solidFill>
-                <a:latin typeface="+mn-lt"/>
-                <a:ea typeface="+mn-ea"/>
-                <a:cs typeface="+mn-cs"/>
-              </a:defRPr>
-            </a:lvl4pPr>
-            <a:lvl5pPr marL="2438339" algn="l" defTabSz="1219170" rtl="0" eaLnBrk="1" latinLnBrk="0" hangingPunct="1">
-              <a:defRPr sz="2400" kern="1200">
-                <a:solidFill>
-                  <a:schemeClr val="tx1"/>
-                </a:solidFill>
-                <a:latin typeface="+mn-lt"/>
-                <a:ea typeface="+mn-ea"/>
-                <a:cs typeface="+mn-cs"/>
-              </a:defRPr>
-            </a:lvl5pPr>
-            <a:lvl6pPr marL="3047924" algn="l" defTabSz="1219170" rtl="0" eaLnBrk="1" latinLnBrk="0" hangingPunct="1">
-              <a:defRPr sz="2400" kern="1200">
-                <a:solidFill>
-                  <a:schemeClr val="tx1"/>
-                </a:solidFill>
-                <a:latin typeface="+mn-lt"/>
-                <a:ea typeface="+mn-ea"/>
-                <a:cs typeface="+mn-cs"/>
-              </a:defRPr>
-            </a:lvl6pPr>
-            <a:lvl7pPr marL="3657509" algn="l" defTabSz="1219170" rtl="0" eaLnBrk="1" latinLnBrk="0" hangingPunct="1">
-              <a:defRPr sz="2400" kern="1200">
-                <a:solidFill>
-                  <a:schemeClr val="tx1"/>
-                </a:solidFill>
-                <a:latin typeface="+mn-lt"/>
-                <a:ea typeface="+mn-ea"/>
-                <a:cs typeface="+mn-cs"/>
-              </a:defRPr>
-            </a:lvl7pPr>
-            <a:lvl8pPr marL="4267093" algn="l" defTabSz="1219170" rtl="0" eaLnBrk="1" latinLnBrk="0" hangingPunct="1">
-              <a:defRPr sz="2400" kern="1200">
-                <a:solidFill>
-                  <a:schemeClr val="tx1"/>
-                </a:solidFill>
-                <a:latin typeface="+mn-lt"/>
-                <a:ea typeface="+mn-ea"/>
-                <a:cs typeface="+mn-cs"/>
-              </a:defRPr>
-            </a:lvl8pPr>
-            <a:lvl9pPr marL="4876678" algn="l" defTabSz="1219170" rtl="0" eaLnBrk="1" latinLnBrk="0" hangingPunct="1">
-              <a:defRPr sz="2400" kern="1200">
-                <a:solidFill>
-                  <a:schemeClr val="tx1"/>
-                </a:solidFill>
-                <a:latin typeface="+mn-lt"/>
-                <a:ea typeface="+mn-ea"/>
-                <a:cs typeface="+mn-cs"/>
-              </a:defRPr>
-            </a:lvl9pPr>
-          </a:lstStyle>
-          <a:p>
-            <a:pPr marL="0" indent="0">
-              <a:buNone/>
-            </a:pPr>
-            <a:r>
-              <a:rPr lang="ru-RU" sz="1400">
-                <a:latin typeface="Open Sans"/>
-                <a:ea typeface="Open Sans"/>
-                <a:cs typeface="Open Sans"/>
-              </a:rPr>
-              <a:t>Таблиця представляє основні елементи шаблону Спостерігач, їх ролі та приклади реалізації. Це відображає структуру взаємодії між об'єктами.</a:t>
-            </a:r>
-            <a:endParaRPr lang="en-US" sz="1400" dirty="0">
-              <a:latin typeface="Open Sans"/>
-              <a:ea typeface="Open Sans"/>
-              <a:cs typeface="Open Sans"/>
-            </a:endParaRPr>
-          </a:p>
-        </p:txBody>
-      </p:sp>
-      <p:sp>
-        <p:nvSpPr>
           <p:cNvPr id="25" name="Slide Number Placeholder 0"/>
           <p:cNvSpPr>
             <a:spLocks noGrp="1"/>
@@ -13253,7 +13338,7 @@
           </a:prstGeom>
           <a:extLst>
             <a:ext uri="{C572A759-6A51-4108-AA02-DFA0A04FC94B}">
-              <ma14:wrappingTextBoxFlag xmlns:ma14="http://schemas.microsoft.com/office/mac/drawingml/2011/main" xmlns="" val="0"/>
+              <ma14:wrappingTextBoxFlag xmlns="" xmlns:ma14="http://schemas.microsoft.com/office/mac/drawingml/2011/main" val="0"/>
             </a:ext>
           </a:extLst>
         </p:spPr>
@@ -13374,10 +13459,10 @@
       </p:sp>
       <p:pic>
         <p:nvPicPr>
-          <p:cNvPr id="7" name="Рисунок 6">
-            <a:extLst>
-              <a:ext uri="{FF2B5EF4-FFF2-40B4-BE49-F238E27FC236}">
-                <a16:creationId xmlns:a16="http://schemas.microsoft.com/office/drawing/2014/main" id="{5929E139-35C2-910D-CDA1-3A7E9E9C775A}"/>
+          <p:cNvPr id="8" name="Рисунок 7">
+            <a:extLst>
+              <a:ext uri="{FF2B5EF4-FFF2-40B4-BE49-F238E27FC236}">
+                <a16:creationId xmlns:a16="http://schemas.microsoft.com/office/drawing/2014/main" id="{9CDBD63E-D437-16CC-6957-9C5C44D3AFC0}"/>
               </a:ext>
             </a:extLst>
           </p:cNvPr>
@@ -13394,8 +13479,8 @@
         </p:blipFill>
         <p:spPr>
           <a:xfrm>
-            <a:off x="3633787" y="4948518"/>
-            <a:ext cx="4924425" cy="1730468"/>
+            <a:off x="3611188" y="4186519"/>
+            <a:ext cx="4969623" cy="2517082"/>
           </a:xfrm>
           <a:prstGeom prst="rect">
             <a:avLst/>
@@ -13656,7 +13741,12 @@
             <p:ph type="body" sz="quarter" idx="15"/>
           </p:nvPr>
         </p:nvSpPr>
-        <p:spPr/>
+        <p:spPr>
+          <a:xfrm>
+            <a:off x="6490447" y="3506234"/>
+            <a:ext cx="4755405" cy="1083696"/>
+          </a:xfrm>
+        </p:spPr>
         <p:txBody>
           <a:bodyPr/>
           <a:lstStyle/>
@@ -13754,52 +13844,464 @@
       </p:sp>
       <p:pic>
         <p:nvPicPr>
-          <p:cNvPr id="19" name="Рисунок 18">
-            <a:extLst>
-              <a:ext uri="{FF2B5EF4-FFF2-40B4-BE49-F238E27FC236}">
-                <a16:creationId xmlns:a16="http://schemas.microsoft.com/office/drawing/2014/main" id="{31D4AAA2-22DE-CA8A-A126-2DBB91722D3D}"/>
+          <p:cNvPr id="1026" name="Picture 2" descr="Observer Design Pattern">
+            <a:extLst>
+              <a:ext uri="{FF2B5EF4-FFF2-40B4-BE49-F238E27FC236}">
+                <a16:creationId xmlns:a16="http://schemas.microsoft.com/office/drawing/2014/main" id="{C771727F-E1C8-CFD2-E65A-FEC9C3CD1A67}"/>
               </a:ext>
             </a:extLst>
           </p:cNvPr>
           <p:cNvPicPr>
-            <a:picLocks noChangeAspect="1"/>
+            <a:picLocks noChangeAspect="1" noChangeArrowheads="1"/>
           </p:cNvPicPr>
           <p:nvPr/>
         </p:nvPicPr>
         <p:blipFill>
           <a:blip r:embed="rId2">
             <a:extLst>
-              <a:ext uri="{BEBA8EAE-BF5A-486C-A8C5-ECC9F3942E4B}">
-                <a14:imgProps xmlns:a14="http://schemas.microsoft.com/office/drawing/2010/main">
-                  <a14:imgLayer r:embed="rId3">
-                    <a14:imgEffect>
-                      <a14:backgroundRemoval t="5166" b="90037" l="7534" r="90411">
-                        <a14:foregroundMark x1="30137" y1="11808" x2="58219" y2="9963"/>
-                        <a14:foregroundMark x1="42808" y1="6273" x2="53767" y2="6642"/>
-                        <a14:foregroundMark x1="90411" y1="46125" x2="90411" y2="46125"/>
-                        <a14:foregroundMark x1="20548" y1="90037" x2="20548" y2="90037"/>
-                        <a14:foregroundMark x1="7534" y1="42066" x2="8562" y2="42066"/>
-                      </a14:backgroundRemoval>
-                    </a14:imgEffect>
-                  </a14:imgLayer>
-                </a14:imgProps>
+              <a:ext uri="{28A0092B-C50C-407E-A947-70E740481C1C}">
+                <a14:useLocalDpi xmlns:a14="http://schemas.microsoft.com/office/drawing/2010/main" val="0"/>
               </a:ext>
             </a:extLst>
           </a:blip>
+          <a:srcRect/>
           <a:stretch>
             <a:fillRect/>
           </a:stretch>
         </p:blipFill>
-        <p:spPr>
-          <a:xfrm>
-            <a:off x="1433234" y="2567145"/>
-            <a:ext cx="3488390" cy="3237513"/>
+        <p:spPr bwMode="auto">
+          <a:xfrm>
+            <a:off x="946148" y="2142297"/>
+            <a:ext cx="4616483" cy="2885302"/>
           </a:xfrm>
           <a:prstGeom prst="rect">
             <a:avLst/>
           </a:prstGeom>
+          <a:noFill/>
+          <a:extLst>
+            <a:ext uri="{909E8E84-426E-40DD-AFC4-6F175D3DCCD1}">
+              <a14:hiddenFill xmlns:a14="http://schemas.microsoft.com/office/drawing/2010/main">
+                <a:solidFill>
+                  <a:srgbClr val="FFFFFF"/>
+                </a:solidFill>
+              </a14:hiddenFill>
+            </a:ext>
+          </a:extLst>
         </p:spPr>
       </p:pic>
+      <p:sp>
+        <p:nvSpPr>
+          <p:cNvPr id="10" name="Текст 4">
+            <a:extLst>
+              <a:ext uri="{FF2B5EF4-FFF2-40B4-BE49-F238E27FC236}">
+                <a16:creationId xmlns:a16="http://schemas.microsoft.com/office/drawing/2014/main" id="{DF38555D-1387-5AFA-1823-0799027A0312}"/>
+              </a:ext>
+            </a:extLst>
+          </p:cNvPr>
+          <p:cNvSpPr txBox="1">
+            <a:spLocks/>
+          </p:cNvSpPr>
+          <p:nvPr/>
+        </p:nvSpPr>
+        <p:spPr>
+          <a:xfrm>
+            <a:off x="6490447" y="5141328"/>
+            <a:ext cx="4939553" cy="1259471"/>
+          </a:xfrm>
+          <a:prstGeom prst="rect">
+            <a:avLst/>
+          </a:prstGeom>
+        </p:spPr>
+        <p:txBody>
+          <a:bodyPr vert="horz" lIns="91440" tIns="45720" rIns="91440" bIns="45720" rtlCol="0">
+            <a:normAutofit/>
+          </a:bodyPr>
+          <a:lstStyle>
+            <a:lvl1pPr marL="0" indent="0" algn="l" defTabSz="360018" rtl="0" eaLnBrk="1" latinLnBrk="0" hangingPunct="1">
+              <a:lnSpc>
+                <a:spcPct val="130000"/>
+              </a:lnSpc>
+              <a:spcBef>
+                <a:spcPts val="0"/>
+              </a:spcBef>
+              <a:buFont typeface="Arial" panose="020B0604020202020204" pitchFamily="34" charset="0"/>
+              <a:buNone/>
+              <a:defRPr sz="1400" kern="1200">
+                <a:solidFill>
+                  <a:schemeClr val="tx1"/>
+                </a:solidFill>
+                <a:latin typeface="+mn-lt"/>
+                <a:ea typeface="+mn-ea"/>
+                <a:cs typeface="+mn-cs"/>
+              </a:defRPr>
+            </a:lvl1pPr>
+            <a:lvl2pPr marL="457223" indent="0" algn="l" defTabSz="360018" rtl="0" eaLnBrk="1" latinLnBrk="0" hangingPunct="1">
+              <a:lnSpc>
+                <a:spcPct val="130000"/>
+              </a:lnSpc>
+              <a:spcBef>
+                <a:spcPts val="0"/>
+              </a:spcBef>
+              <a:buFont typeface="Arial" panose="020B0604020202020204" pitchFamily="34" charset="0"/>
+              <a:buNone/>
+              <a:defRPr sz="933" kern="1200">
+                <a:solidFill>
+                  <a:schemeClr val="tx1"/>
+                </a:solidFill>
+                <a:latin typeface="+mn-lt"/>
+                <a:ea typeface="+mn-ea"/>
+                <a:cs typeface="+mn-cs"/>
+              </a:defRPr>
+            </a:lvl2pPr>
+            <a:lvl3pPr marL="914446" indent="0" algn="l" defTabSz="360018" rtl="0" eaLnBrk="1" latinLnBrk="0" hangingPunct="1">
+              <a:lnSpc>
+                <a:spcPct val="130000"/>
+              </a:lnSpc>
+              <a:spcBef>
+                <a:spcPts val="0"/>
+              </a:spcBef>
+              <a:buFont typeface="Arial" panose="020B0604020202020204" pitchFamily="34" charset="0"/>
+              <a:buNone/>
+              <a:defRPr sz="800" kern="1200">
+                <a:solidFill>
+                  <a:schemeClr val="tx1"/>
+                </a:solidFill>
+                <a:latin typeface="+mn-lt"/>
+                <a:ea typeface="+mn-ea"/>
+                <a:cs typeface="+mn-cs"/>
+              </a:defRPr>
+            </a:lvl3pPr>
+            <a:lvl4pPr marL="1371669" indent="0" algn="l" defTabSz="360018" rtl="0" eaLnBrk="1" latinLnBrk="0" hangingPunct="1">
+              <a:lnSpc>
+                <a:spcPct val="130000"/>
+              </a:lnSpc>
+              <a:spcBef>
+                <a:spcPts val="0"/>
+              </a:spcBef>
+              <a:buFont typeface="Arial" panose="020B0604020202020204" pitchFamily="34" charset="0"/>
+              <a:buNone/>
+              <a:defRPr sz="733" kern="1200">
+                <a:solidFill>
+                  <a:schemeClr val="tx1"/>
+                </a:solidFill>
+                <a:latin typeface="+mn-lt"/>
+                <a:ea typeface="+mn-ea"/>
+                <a:cs typeface="+mn-cs"/>
+              </a:defRPr>
+            </a:lvl4pPr>
+            <a:lvl5pPr marL="1828891" indent="0" algn="l" defTabSz="360018" rtl="0" eaLnBrk="1" latinLnBrk="0" hangingPunct="1">
+              <a:lnSpc>
+                <a:spcPct val="130000"/>
+              </a:lnSpc>
+              <a:spcBef>
+                <a:spcPts val="0"/>
+              </a:spcBef>
+              <a:buFont typeface="Arial" panose="020B0604020202020204" pitchFamily="34" charset="0"/>
+              <a:buNone/>
+              <a:defRPr sz="733" kern="1200">
+                <a:solidFill>
+                  <a:schemeClr val="tx1"/>
+                </a:solidFill>
+                <a:latin typeface="+mn-lt"/>
+                <a:ea typeface="+mn-ea"/>
+                <a:cs typeface="+mn-cs"/>
+              </a:defRPr>
+            </a:lvl5pPr>
+            <a:lvl6pPr marL="2514726" indent="-228611" algn="l" defTabSz="914446" rtl="0" eaLnBrk="1" latinLnBrk="0" hangingPunct="1">
+              <a:lnSpc>
+                <a:spcPct val="90000"/>
+              </a:lnSpc>
+              <a:spcBef>
+                <a:spcPts val="500"/>
+              </a:spcBef>
+              <a:buFont typeface="Arial" panose="020B0604020202020204" pitchFamily="34" charset="0"/>
+              <a:buChar char="•"/>
+              <a:defRPr sz="1800" kern="1200">
+                <a:solidFill>
+                  <a:schemeClr val="tx1"/>
+                </a:solidFill>
+                <a:latin typeface="+mn-lt"/>
+                <a:ea typeface="+mn-ea"/>
+                <a:cs typeface="+mn-cs"/>
+              </a:defRPr>
+            </a:lvl6pPr>
+            <a:lvl7pPr marL="2971949" indent="-228611" algn="l" defTabSz="914446" rtl="0" eaLnBrk="1" latinLnBrk="0" hangingPunct="1">
+              <a:lnSpc>
+                <a:spcPct val="90000"/>
+              </a:lnSpc>
+              <a:spcBef>
+                <a:spcPts val="500"/>
+              </a:spcBef>
+              <a:buFont typeface="Arial" panose="020B0604020202020204" pitchFamily="34" charset="0"/>
+              <a:buChar char="•"/>
+              <a:defRPr sz="1800" kern="1200">
+                <a:solidFill>
+                  <a:schemeClr val="tx1"/>
+                </a:solidFill>
+                <a:latin typeface="+mn-lt"/>
+                <a:ea typeface="+mn-ea"/>
+                <a:cs typeface="+mn-cs"/>
+              </a:defRPr>
+            </a:lvl7pPr>
+            <a:lvl8pPr marL="3429171" indent="-228611" algn="l" defTabSz="914446" rtl="0" eaLnBrk="1" latinLnBrk="0" hangingPunct="1">
+              <a:lnSpc>
+                <a:spcPct val="90000"/>
+              </a:lnSpc>
+              <a:spcBef>
+                <a:spcPts val="500"/>
+              </a:spcBef>
+              <a:buFont typeface="Arial" panose="020B0604020202020204" pitchFamily="34" charset="0"/>
+              <a:buChar char="•"/>
+              <a:defRPr sz="1800" kern="1200">
+                <a:solidFill>
+                  <a:schemeClr val="tx1"/>
+                </a:solidFill>
+                <a:latin typeface="+mn-lt"/>
+                <a:ea typeface="+mn-ea"/>
+                <a:cs typeface="+mn-cs"/>
+              </a:defRPr>
+            </a:lvl8pPr>
+            <a:lvl9pPr marL="3886394" indent="-228611" algn="l" defTabSz="914446" rtl="0" eaLnBrk="1" latinLnBrk="0" hangingPunct="1">
+              <a:lnSpc>
+                <a:spcPct val="90000"/>
+              </a:lnSpc>
+              <a:spcBef>
+                <a:spcPts val="500"/>
+              </a:spcBef>
+              <a:buFont typeface="Arial" panose="020B0604020202020204" pitchFamily="34" charset="0"/>
+              <a:buChar char="•"/>
+              <a:defRPr sz="1800" kern="1200">
+                <a:solidFill>
+                  <a:schemeClr val="tx1"/>
+                </a:solidFill>
+                <a:latin typeface="+mn-lt"/>
+                <a:ea typeface="+mn-ea"/>
+                <a:cs typeface="+mn-cs"/>
+              </a:defRPr>
+            </a:lvl9pPr>
+          </a:lstStyle>
+          <a:p>
+            <a:pPr marL="285750" indent="-285750">
+              <a:buFont typeface="Arial" panose="020B0604020202020204" pitchFamily="34" charset="0"/>
+              <a:buChar char="•"/>
+            </a:pPr>
+            <a:r>
+              <a:rPr lang="ru-RU"/>
+              <a:t>Підписка на повідомлення в мобільних додатках</a:t>
+            </a:r>
+            <a:endParaRPr lang="en-US"/>
+          </a:p>
+          <a:p>
+            <a:pPr marL="285750" indent="-285750">
+              <a:buFont typeface="Arial" panose="020B0604020202020204" pitchFamily="34" charset="0"/>
+              <a:buChar char="•"/>
+            </a:pPr>
+            <a:r>
+              <a:rPr lang="ru-RU"/>
+              <a:t>Сповіщення користувачів про зміну статусу замовлення</a:t>
+            </a:r>
+          </a:p>
+        </p:txBody>
+      </p:sp>
+      <p:sp>
+        <p:nvSpPr>
+          <p:cNvPr id="11" name="Текст 5">
+            <a:extLst>
+              <a:ext uri="{FF2B5EF4-FFF2-40B4-BE49-F238E27FC236}">
+                <a16:creationId xmlns:a16="http://schemas.microsoft.com/office/drawing/2014/main" id="{60994B66-0868-727B-A9A5-D40BAE2233E7}"/>
+              </a:ext>
+            </a:extLst>
+          </p:cNvPr>
+          <p:cNvSpPr txBox="1">
+            <a:spLocks/>
+          </p:cNvSpPr>
+          <p:nvPr/>
+        </p:nvSpPr>
+        <p:spPr>
+          <a:xfrm>
+            <a:off x="6490447" y="4695300"/>
+            <a:ext cx="4722741" cy="340659"/>
+          </a:xfrm>
+          <a:prstGeom prst="rect">
+            <a:avLst/>
+          </a:prstGeom>
+        </p:spPr>
+        <p:txBody>
+          <a:bodyPr vert="horz" lIns="91440" tIns="45720" rIns="91440" bIns="45720" rtlCol="0" anchor="b">
+            <a:noAutofit/>
+          </a:bodyPr>
+          <a:lstStyle>
+            <a:lvl1pPr marL="0" indent="0" algn="l" defTabSz="360018" rtl="0" eaLnBrk="1" latinLnBrk="0" hangingPunct="1">
+              <a:lnSpc>
+                <a:spcPct val="130000"/>
+              </a:lnSpc>
+              <a:spcBef>
+                <a:spcPts val="0"/>
+              </a:spcBef>
+              <a:buFont typeface="Arial" panose="020B0604020202020204" pitchFamily="34" charset="0"/>
+              <a:buNone/>
+              <a:defRPr sz="1450" b="1" kern="1200">
+                <a:solidFill>
+                  <a:schemeClr val="tx1"/>
+                </a:solidFill>
+                <a:latin typeface="+mn-lt"/>
+                <a:ea typeface="+mn-ea"/>
+                <a:cs typeface="+mn-cs"/>
+              </a:defRPr>
+            </a:lvl1pPr>
+            <a:lvl2pPr marL="457223" indent="0" algn="l" defTabSz="360018" rtl="0" eaLnBrk="1" latinLnBrk="0" hangingPunct="1">
+              <a:lnSpc>
+                <a:spcPct val="130000"/>
+              </a:lnSpc>
+              <a:spcBef>
+                <a:spcPts val="0"/>
+              </a:spcBef>
+              <a:buFont typeface="Arial" panose="020B0604020202020204" pitchFamily="34" charset="0"/>
+              <a:buNone/>
+              <a:defRPr sz="933" b="1" kern="1200">
+                <a:solidFill>
+                  <a:schemeClr val="tx1"/>
+                </a:solidFill>
+                <a:latin typeface="+mn-lt"/>
+                <a:ea typeface="+mn-ea"/>
+                <a:cs typeface="+mn-cs"/>
+              </a:defRPr>
+            </a:lvl2pPr>
+            <a:lvl3pPr marL="914446" indent="0" algn="l" defTabSz="360018" rtl="0" eaLnBrk="1" latinLnBrk="0" hangingPunct="1">
+              <a:lnSpc>
+                <a:spcPct val="130000"/>
+              </a:lnSpc>
+              <a:spcBef>
+                <a:spcPts val="0"/>
+              </a:spcBef>
+              <a:buFont typeface="Arial" panose="020B0604020202020204" pitchFamily="34" charset="0"/>
+              <a:buNone/>
+              <a:defRPr sz="800" b="1" kern="1200">
+                <a:solidFill>
+                  <a:schemeClr val="tx1"/>
+                </a:solidFill>
+                <a:latin typeface="+mn-lt"/>
+                <a:ea typeface="+mn-ea"/>
+                <a:cs typeface="+mn-cs"/>
+              </a:defRPr>
+            </a:lvl3pPr>
+            <a:lvl4pPr marL="1371669" indent="0" algn="l" defTabSz="360018" rtl="0" eaLnBrk="1" latinLnBrk="0" hangingPunct="1">
+              <a:lnSpc>
+                <a:spcPct val="130000"/>
+              </a:lnSpc>
+              <a:spcBef>
+                <a:spcPts val="0"/>
+              </a:spcBef>
+              <a:buFont typeface="Arial" panose="020B0604020202020204" pitchFamily="34" charset="0"/>
+              <a:buNone/>
+              <a:defRPr sz="733" b="1" kern="1200">
+                <a:solidFill>
+                  <a:schemeClr val="tx1"/>
+                </a:solidFill>
+                <a:latin typeface="+mn-lt"/>
+                <a:ea typeface="+mn-ea"/>
+                <a:cs typeface="+mn-cs"/>
+              </a:defRPr>
+            </a:lvl4pPr>
+            <a:lvl5pPr marL="1828891" indent="0" algn="l" defTabSz="360018" rtl="0" eaLnBrk="1" latinLnBrk="0" hangingPunct="1">
+              <a:lnSpc>
+                <a:spcPct val="130000"/>
+              </a:lnSpc>
+              <a:spcBef>
+                <a:spcPts val="0"/>
+              </a:spcBef>
+              <a:buFont typeface="Arial" panose="020B0604020202020204" pitchFamily="34" charset="0"/>
+              <a:buNone/>
+              <a:defRPr sz="733" b="1" kern="1200">
+                <a:solidFill>
+                  <a:schemeClr val="tx1"/>
+                </a:solidFill>
+                <a:latin typeface="+mn-lt"/>
+                <a:ea typeface="+mn-ea"/>
+                <a:cs typeface="+mn-cs"/>
+              </a:defRPr>
+            </a:lvl5pPr>
+            <a:lvl6pPr marL="2514726" indent="-228611" algn="l" defTabSz="914446" rtl="0" eaLnBrk="1" latinLnBrk="0" hangingPunct="1">
+              <a:lnSpc>
+                <a:spcPct val="90000"/>
+              </a:lnSpc>
+              <a:spcBef>
+                <a:spcPts val="500"/>
+              </a:spcBef>
+              <a:buFont typeface="Arial" panose="020B0604020202020204" pitchFamily="34" charset="0"/>
+              <a:buChar char="•"/>
+              <a:defRPr sz="1800" kern="1200">
+                <a:solidFill>
+                  <a:schemeClr val="tx1"/>
+                </a:solidFill>
+                <a:latin typeface="+mn-lt"/>
+                <a:ea typeface="+mn-ea"/>
+                <a:cs typeface="+mn-cs"/>
+              </a:defRPr>
+            </a:lvl6pPr>
+            <a:lvl7pPr marL="2971949" indent="-228611" algn="l" defTabSz="914446" rtl="0" eaLnBrk="1" latinLnBrk="0" hangingPunct="1">
+              <a:lnSpc>
+                <a:spcPct val="90000"/>
+              </a:lnSpc>
+              <a:spcBef>
+                <a:spcPts val="500"/>
+              </a:spcBef>
+              <a:buFont typeface="Arial" panose="020B0604020202020204" pitchFamily="34" charset="0"/>
+              <a:buChar char="•"/>
+              <a:defRPr sz="1800" kern="1200">
+                <a:solidFill>
+                  <a:schemeClr val="tx1"/>
+                </a:solidFill>
+                <a:latin typeface="+mn-lt"/>
+                <a:ea typeface="+mn-ea"/>
+                <a:cs typeface="+mn-cs"/>
+              </a:defRPr>
+            </a:lvl7pPr>
+            <a:lvl8pPr marL="3429171" indent="-228611" algn="l" defTabSz="914446" rtl="0" eaLnBrk="1" latinLnBrk="0" hangingPunct="1">
+              <a:lnSpc>
+                <a:spcPct val="90000"/>
+              </a:lnSpc>
+              <a:spcBef>
+                <a:spcPts val="500"/>
+              </a:spcBef>
+              <a:buFont typeface="Arial" panose="020B0604020202020204" pitchFamily="34" charset="0"/>
+              <a:buChar char="•"/>
+              <a:defRPr sz="1800" kern="1200">
+                <a:solidFill>
+                  <a:schemeClr val="tx1"/>
+                </a:solidFill>
+                <a:latin typeface="+mn-lt"/>
+                <a:ea typeface="+mn-ea"/>
+                <a:cs typeface="+mn-cs"/>
+              </a:defRPr>
+            </a:lvl8pPr>
+            <a:lvl9pPr marL="3886394" indent="-228611" algn="l" defTabSz="914446" rtl="0" eaLnBrk="1" latinLnBrk="0" hangingPunct="1">
+              <a:lnSpc>
+                <a:spcPct val="90000"/>
+              </a:lnSpc>
+              <a:spcBef>
+                <a:spcPts val="500"/>
+              </a:spcBef>
+              <a:buFont typeface="Arial" panose="020B0604020202020204" pitchFamily="34" charset="0"/>
+              <a:buChar char="•"/>
+              <a:defRPr sz="1800" kern="1200">
+                <a:solidFill>
+                  <a:schemeClr val="tx1"/>
+                </a:solidFill>
+                <a:latin typeface="+mn-lt"/>
+                <a:ea typeface="+mn-ea"/>
+                <a:cs typeface="+mn-cs"/>
+              </a:defRPr>
+            </a:lvl9pPr>
+          </a:lstStyle>
+          <a:p>
+            <a:r>
+              <a:rPr lang="ru-RU"/>
+              <a:t>Приклади в житті</a:t>
+            </a:r>
+          </a:p>
+        </p:txBody>
+      </p:sp>
     </p:spTree>
     <p:extLst>
       <p:ext uri="{BB962C8B-B14F-4D97-AF65-F5344CB8AC3E}">
@@ -13839,7 +14341,7 @@
           <p:nvPr>
             <p:extLst>
               <p:ext uri="{D42A27DB-BD31-4B8C-83A1-F6EECF244321}">
-                <p14:modId xmlns:p14="http://schemas.microsoft.com/office/powerpoint/2010/main" val="4252013955"/>
+                <p14:modId xmlns:p14="http://schemas.microsoft.com/office/powerpoint/2010/main" val="2712878985"/>
               </p:ext>
             </p:extLst>
           </p:nvPr>
@@ -14021,11 +14523,25 @@
                     <a:bodyPr/>
                     <a:lstStyle/>
                     <a:p>
-                      <a:pPr marL="0" indent="0">
+                      <a:pPr marL="0" marR="0" lvl="0" indent="0" algn="l" defTabSz="914446" rtl="0" eaLnBrk="1" fontAlgn="auto" latinLnBrk="0" hangingPunct="1">
+                        <a:lnSpc>
+                          <a:spcPct val="100000"/>
+                        </a:lnSpc>
+                        <a:spcBef>
+                          <a:spcPts val="0"/>
+                        </a:spcBef>
+                        <a:spcAft>
+                          <a:spcPts val="0"/>
+                        </a:spcAft>
+                        <a:buClrTx/>
+                        <a:buSzTx/>
+                        <a:buFontTx/>
                         <a:buNone/>
+                        <a:tabLst/>
+                        <a:defRPr/>
                       </a:pPr>
                       <a:r>
-                        <a:rPr lang="en-US" sz="1400" dirty="0">
+                        <a:rPr lang="en-US" sz="1400">
                           <a:solidFill>
                             <a:srgbClr val="FFFFFF"/>
                           </a:solidFill>
@@ -14033,9 +14549,9 @@
                           <a:ea typeface="Open Sans" pitchFamily="34" charset="-122"/>
                           <a:cs typeface="Open Sans" pitchFamily="34" charset="-120"/>
                         </a:rPr>
-                        <a:t>Гнучкість</a:t>
+                        <a:t>Відкритість/закритість</a:t>
                       </a:r>
-                      <a:endParaRPr lang="en-US" sz="1400" dirty="0">
+                      <a:endParaRPr lang="en-US" sz="1400">
                         <a:latin typeface="Open Sans" charset="0"/>
                         <a:ea typeface="Open Sans" charset="0"/>
                         <a:cs typeface="Open Sans" charset="0"/>
@@ -14172,15 +14688,16 @@
                         <a:buNone/>
                       </a:pPr>
                       <a:r>
-                        <a:rPr lang="en-US" sz="1400" dirty="0">
-                          <a:solidFill>
-                            <a:srgbClr val="FFFFFF"/>
-                          </a:solidFill>
-                          <a:latin typeface="Open Sans" pitchFamily="34" charset="0"/>
-                          <a:ea typeface="Open Sans" pitchFamily="34" charset="-122"/>
-                          <a:cs typeface="Open Sans" pitchFamily="34" charset="-120"/>
-                        </a:rPr>
-                        <a:t>Відкритість/закритість</a:t>
+                        <a:rPr lang="ru-RU" sz="1400"/>
+                        <a:t>Динамічне підключення</a:t>
+                      </a:r>
+                      <a:r>
+                        <a:rPr lang="en-US" sz="1400"/>
+                        <a:t> </a:t>
+                      </a:r>
+                      <a:r>
+                        <a:rPr lang="uk-UA" sz="1400"/>
+                        <a:t>та відключення</a:t>
                       </a:r>
                       <a:endParaRPr lang="en-US" sz="1400" dirty="0">
                         <a:latin typeface="Open Sans" charset="0"/>
@@ -14609,7 +15126,7 @@
           </a:prstGeom>
           <a:extLst>
             <a:ext uri="{C572A759-6A51-4108-AA02-DFA0A04FC94B}">
-              <ma14:wrappingTextBoxFlag xmlns:ma14="http://schemas.microsoft.com/office/mac/drawingml/2011/main" xmlns="" val="0"/>
+              <ma14:wrappingTextBoxFlag xmlns="" xmlns:ma14="http://schemas.microsoft.com/office/mac/drawingml/2011/main" val="0"/>
             </a:ext>
           </a:extLst>
         </p:spPr>
